--- a/Documentation/Presentation.pptx
+++ b/Documentation/Presentation.pptx
@@ -15,7 +15,6 @@
     <p:sldId id="263" r:id="rId9"/>
     <p:sldId id="264" r:id="rId10"/>
     <p:sldId id="265" r:id="rId11"/>
-    <p:sldId id="266" r:id="rId12"/>
   </p:sldIdLst>
   <p:sldSz cx="12192000" cy="6858000"/>
   <p:notesSz cx="6858000" cy="9144000"/>
@@ -114,6 +113,11 @@
       </a:defRPr>
     </a:lvl9pPr>
   </p:defaultTextStyle>
+  <p:extLst>
+    <p:ext uri="{EFAFB233-063F-42B5-8137-9DF3F51BA10A}">
+      <p15:sldGuideLst xmlns:p15="http://schemas.microsoft.com/office/powerpoint/2012/main"/>
+    </p:ext>
+  </p:extLst>
 </p:presentation>
 </file>
 
@@ -452,7 +456,7 @@
           <a:p>
             <a:fld id="{C84C0CC0-55CA-4BF1-9664-52B69E21B808}" type="datetimeFigureOut">
               <a:rPr lang="en-US" smtClean="0"/>
-              <a:t>30/05/2021</a:t>
+              <a:t>02/06/2021</a:t>
             </a:fld>
             <a:endParaRPr lang="en-US" dirty="0"/>
           </a:p>
@@ -1539,7 +1543,7 @@
           <a:p>
             <a:fld id="{C84C0CC0-55CA-4BF1-9664-52B69E21B808}" type="datetimeFigureOut">
               <a:rPr lang="en-US" smtClean="0"/>
-              <a:t>30/05/2021</a:t>
+              <a:t>02/06/2021</a:t>
             </a:fld>
             <a:endParaRPr lang="en-US" dirty="0"/>
           </a:p>
@@ -2519,7 +2523,7 @@
           <a:p>
             <a:fld id="{C84C0CC0-55CA-4BF1-9664-52B69E21B808}" type="datetimeFigureOut">
               <a:rPr lang="en-US" smtClean="0"/>
-              <a:t>30/05/2021</a:t>
+              <a:t>02/06/2021</a:t>
             </a:fld>
             <a:endParaRPr lang="en-US" dirty="0"/>
           </a:p>
@@ -3653,7 +3657,7 @@
           <a:p>
             <a:fld id="{C84C0CC0-55CA-4BF1-9664-52B69E21B808}" type="datetimeFigureOut">
               <a:rPr lang="en-US" smtClean="0"/>
-              <a:t>30/05/2021</a:t>
+              <a:t>02/06/2021</a:t>
             </a:fld>
             <a:endParaRPr lang="en-US" dirty="0"/>
           </a:p>
@@ -4686,7 +4690,7 @@
           <a:p>
             <a:fld id="{C84C0CC0-55CA-4BF1-9664-52B69E21B808}" type="datetimeFigureOut">
               <a:rPr lang="en-US" smtClean="0"/>
-              <a:t>30/05/2021</a:t>
+              <a:t>02/06/2021</a:t>
             </a:fld>
             <a:endParaRPr lang="en-US" dirty="0"/>
           </a:p>
@@ -5346,7 +5350,7 @@
           <a:p>
             <a:fld id="{C84C0CC0-55CA-4BF1-9664-52B69E21B808}" type="datetimeFigureOut">
               <a:rPr lang="en-US" smtClean="0"/>
-              <a:t>30/05/2021</a:t>
+              <a:t>02/06/2021</a:t>
             </a:fld>
             <a:endParaRPr lang="en-US" dirty="0"/>
           </a:p>
@@ -6204,7 +6208,7 @@
           <a:p>
             <a:fld id="{C84C0CC0-55CA-4BF1-9664-52B69E21B808}" type="datetimeFigureOut">
               <a:rPr lang="en-US" smtClean="0"/>
-              <a:t>30/05/2021</a:t>
+              <a:t>02/06/2021</a:t>
             </a:fld>
             <a:endParaRPr lang="en-US" dirty="0"/>
           </a:p>
@@ -6394,7 +6398,7 @@
           <a:p>
             <a:fld id="{C84C0CC0-55CA-4BF1-9664-52B69E21B808}" type="datetimeFigureOut">
               <a:rPr lang="en-US" smtClean="0"/>
-              <a:t>30/05/2021</a:t>
+              <a:t>02/06/2021</a:t>
             </a:fld>
             <a:endParaRPr lang="en-US" dirty="0"/>
           </a:p>
@@ -7366,7 +7370,7 @@
           <a:p>
             <a:fld id="{C84C0CC0-55CA-4BF1-9664-52B69E21B808}" type="datetimeFigureOut">
               <a:rPr lang="en-US" smtClean="0"/>
-              <a:t>30/05/2021</a:t>
+              <a:t>02/06/2021</a:t>
             </a:fld>
             <a:endParaRPr lang="en-US" dirty="0"/>
           </a:p>
@@ -7577,7 +7581,7 @@
           <a:p>
             <a:fld id="{C84C0CC0-55CA-4BF1-9664-52B69E21B808}" type="datetimeFigureOut">
               <a:rPr lang="en-US" smtClean="0"/>
-              <a:t>30/05/2021</a:t>
+              <a:t>02/06/2021</a:t>
             </a:fld>
             <a:endParaRPr lang="en-US" dirty="0"/>
           </a:p>
@@ -8611,7 +8615,7 @@
           <a:p>
             <a:fld id="{C84C0CC0-55CA-4BF1-9664-52B69E21B808}" type="datetimeFigureOut">
               <a:rPr lang="en-US" smtClean="0"/>
-              <a:t>30/05/2021</a:t>
+              <a:t>02/06/2021</a:t>
             </a:fld>
             <a:endParaRPr lang="en-US" dirty="0"/>
           </a:p>
@@ -8883,7 +8887,7 @@
           <a:p>
             <a:fld id="{C84C0CC0-55CA-4BF1-9664-52B69E21B808}" type="datetimeFigureOut">
               <a:rPr lang="en-US" smtClean="0"/>
-              <a:t>30/05/2021</a:t>
+              <a:t>02/06/2021</a:t>
             </a:fld>
             <a:endParaRPr lang="en-US" dirty="0"/>
           </a:p>
@@ -9293,7 +9297,7 @@
           <a:p>
             <a:fld id="{C84C0CC0-55CA-4BF1-9664-52B69E21B808}" type="datetimeFigureOut">
               <a:rPr lang="en-US" smtClean="0"/>
-              <a:t>30/05/2021</a:t>
+              <a:t>02/06/2021</a:t>
             </a:fld>
             <a:endParaRPr lang="en-US" dirty="0"/>
           </a:p>
@@ -9420,7 +9424,7 @@
           <a:p>
             <a:fld id="{C84C0CC0-55CA-4BF1-9664-52B69E21B808}" type="datetimeFigureOut">
               <a:rPr lang="en-US" smtClean="0"/>
-              <a:t>30/05/2021</a:t>
+              <a:t>02/06/2021</a:t>
             </a:fld>
             <a:endParaRPr lang="en-US" dirty="0"/>
           </a:p>
@@ -9515,7 +9519,7 @@
           <a:p>
             <a:fld id="{C84C0CC0-55CA-4BF1-9664-52B69E21B808}" type="datetimeFigureOut">
               <a:rPr lang="en-US" smtClean="0"/>
-              <a:t>30/05/2021</a:t>
+              <a:t>02/06/2021</a:t>
             </a:fld>
             <a:endParaRPr lang="en-US" dirty="0"/>
           </a:p>
@@ -10596,7 +10600,7 @@
           <a:p>
             <a:fld id="{C84C0CC0-55CA-4BF1-9664-52B69E21B808}" type="datetimeFigureOut">
               <a:rPr lang="en-US" smtClean="0"/>
-              <a:t>30/05/2021</a:t>
+              <a:t>02/06/2021</a:t>
             </a:fld>
             <a:endParaRPr lang="en-US" dirty="0"/>
           </a:p>
@@ -11703,7 +11707,7 @@
           <a:p>
             <a:fld id="{C84C0CC0-55CA-4BF1-9664-52B69E21B808}" type="datetimeFigureOut">
               <a:rPr lang="en-US" smtClean="0"/>
-              <a:t>30/05/2021</a:t>
+              <a:t>02/06/2021</a:t>
             </a:fld>
             <a:endParaRPr lang="en-US" dirty="0"/>
           </a:p>
@@ -12700,7 +12704,7 @@
           <a:p>
             <a:fld id="{C84C0CC0-55CA-4BF1-9664-52B69E21B808}" type="datetimeFigureOut">
               <a:rPr lang="en-US" smtClean="0"/>
-              <a:t>30/05/2021</a:t>
+              <a:t>02/06/2021</a:t>
             </a:fld>
             <a:endParaRPr lang="en-US" dirty="0"/>
           </a:p>
@@ -13281,7 +13285,7 @@
           <a:lstStyle/>
           <a:p>
             <a:r>
-              <a:rPr lang="en-US" dirty="0"/>
+              <a:rPr lang="en-US" sz="9600" dirty="0"/>
               <a:t>ATAR</a:t>
             </a:r>
           </a:p>
@@ -13303,18 +13307,25 @@
             <p:ph type="subTitle" idx="1"/>
           </p:nvPr>
         </p:nvSpPr>
-        <p:spPr/>
+        <p:spPr>
+          <a:xfrm>
+            <a:off x="1154955" y="4777380"/>
+            <a:ext cx="8825658" cy="1539530"/>
+          </a:xfrm>
+        </p:spPr>
         <p:txBody>
-          <a:bodyPr/>
+          <a:bodyPr>
+            <a:normAutofit fontScale="85000" lnSpcReduction="20000"/>
+          </a:bodyPr>
           <a:lstStyle/>
           <a:p>
             <a:r>
-              <a:rPr lang="en-US" dirty="0" err="1"/>
-              <a:t>Ciorb</a:t>
+              <a:rPr lang="en-US" dirty="0"/>
+              <a:t>C</a:t>
             </a:r>
             <a:r>
               <a:rPr lang="ro-RO" dirty="0"/>
-              <a:t>ă</a:t>
+              <a:t>iorbă</a:t>
             </a:r>
             <a:r>
               <a:rPr lang="en-US" dirty="0"/>
@@ -13322,7 +13333,7 @@
             </a:r>
             <a:r>
               <a:rPr lang="ro-RO" dirty="0"/>
-              <a:t>ş</a:t>
+              <a:t>ş-nicolaie</a:t>
             </a:r>
             <a:r>
               <a:rPr lang="en-US" dirty="0"/>
@@ -13331,6 +13342,28 @@
             <a:endParaRPr lang="ro-RO" dirty="0"/>
           </a:p>
           <a:p>
+            <a:r>
+              <a:rPr lang="ro-RO" dirty="0"/>
+              <a:t>Copîndean alexandru (pm2)</a:t>
+            </a:r>
+          </a:p>
+          <a:p>
+            <a:r>
+              <a:rPr lang="ro-RO" dirty="0"/>
+              <a:t>Condrea adrian</a:t>
+            </a:r>
+          </a:p>
+          <a:p>
+            <a:r>
+              <a:rPr lang="ro-RO" dirty="0"/>
+              <a:t>Craiu constantin-tiberiu</a:t>
+            </a:r>
+          </a:p>
+          <a:p>
+            <a:r>
+              <a:rPr lang="ro-RO" dirty="0"/>
+              <a:t>Deiac david</a:t>
+            </a:r>
             <a:endParaRPr lang="en-US" dirty="0"/>
           </a:p>
         </p:txBody>
@@ -13445,94 +13478,6 @@
     <p:extLst>
       <p:ext uri="{BB962C8B-B14F-4D97-AF65-F5344CB8AC3E}">
         <p14:creationId xmlns:p14="http://schemas.microsoft.com/office/powerpoint/2010/main" val="2725550675"/>
-      </p:ext>
-    </p:extLst>
-  </p:cSld>
-  <p:clrMapOvr>
-    <a:masterClrMapping/>
-  </p:clrMapOvr>
-</p:sld>
-</file>
-
-<file path=ppt/slides/slide11.xml><?xml version="1.0" encoding="utf-8"?>
-<p:sld xmlns:a="http://schemas.openxmlformats.org/drawingml/2006/main" xmlns:r="http://schemas.openxmlformats.org/officeDocument/2006/relationships" xmlns:p="http://schemas.openxmlformats.org/presentationml/2006/main">
-  <p:cSld>
-    <p:spTree>
-      <p:nvGrpSpPr>
-        <p:cNvPr id="1" name=""/>
-        <p:cNvGrpSpPr/>
-        <p:nvPr/>
-      </p:nvGrpSpPr>
-      <p:grpSpPr>
-        <a:xfrm>
-          <a:off x="0" y="0"/>
-          <a:ext cx="0" cy="0"/>
-          <a:chOff x="0" y="0"/>
-          <a:chExt cx="0" cy="0"/>
-        </a:xfrm>
-      </p:grpSpPr>
-      <p:sp>
-        <p:nvSpPr>
-          <p:cNvPr id="2" name="Title 1">
-            <a:extLst>
-              <a:ext uri="{FF2B5EF4-FFF2-40B4-BE49-F238E27FC236}">
-                <a16:creationId xmlns:a16="http://schemas.microsoft.com/office/drawing/2014/main" id="{DAF85248-31E8-42F7-AEBA-D541C328F30D}"/>
-              </a:ext>
-            </a:extLst>
-          </p:cNvPr>
-          <p:cNvSpPr>
-            <a:spLocks noGrp="1"/>
-          </p:cNvSpPr>
-          <p:nvPr>
-            <p:ph type="title"/>
-          </p:nvPr>
-        </p:nvSpPr>
-        <p:spPr/>
-        <p:txBody>
-          <a:bodyPr/>
-          <a:lstStyle/>
-          <a:p>
-            <a:r>
-              <a:rPr lang="ro-RO" dirty="0"/>
-              <a:t>Evaluation</a:t>
-            </a:r>
-            <a:endParaRPr lang="en-US" dirty="0"/>
-          </a:p>
-        </p:txBody>
-      </p:sp>
-      <p:sp>
-        <p:nvSpPr>
-          <p:cNvPr id="3" name="Content Placeholder 2">
-            <a:extLst>
-              <a:ext uri="{FF2B5EF4-FFF2-40B4-BE49-F238E27FC236}">
-                <a16:creationId xmlns:a16="http://schemas.microsoft.com/office/drawing/2014/main" id="{3960DB1C-3DB8-4B80-83E1-49E6E0BE4E72}"/>
-              </a:ext>
-            </a:extLst>
-          </p:cNvPr>
-          <p:cNvSpPr>
-            <a:spLocks noGrp="1"/>
-          </p:cNvSpPr>
-          <p:nvPr>
-            <p:ph idx="1"/>
-          </p:nvPr>
-        </p:nvSpPr>
-        <p:spPr/>
-        <p:txBody>
-          <a:bodyPr/>
-          <a:lstStyle/>
-          <a:p>
-            <a:r>
-              <a:rPr lang="ro-RO" dirty="0"/>
-              <a:t>We consider that we all split the tasks evenly among us</a:t>
-            </a:r>
-            <a:endParaRPr lang="en-US" dirty="0"/>
-          </a:p>
-        </p:txBody>
-      </p:sp>
-    </p:spTree>
-    <p:extLst>
-      <p:ext uri="{BB962C8B-B14F-4D97-AF65-F5344CB8AC3E}">
-        <p14:creationId xmlns:p14="http://schemas.microsoft.com/office/powerpoint/2010/main" val="4004793000"/>
       </p:ext>
     </p:extLst>
   </p:cSld>

--- a/Documentation/Presentation.pptx
+++ b/Documentation/Presentation.pptx
@@ -15,6 +15,7 @@
     <p:sldId id="263" r:id="rId9"/>
     <p:sldId id="264" r:id="rId10"/>
     <p:sldId id="265" r:id="rId11"/>
+    <p:sldId id="266" r:id="rId12"/>
   </p:sldIdLst>
   <p:sldSz cx="12192000" cy="6858000"/>
   <p:notesSz cx="6858000" cy="9144000"/>
@@ -13478,6 +13479,100 @@
     <p:extLst>
       <p:ext uri="{BB962C8B-B14F-4D97-AF65-F5344CB8AC3E}">
         <p14:creationId xmlns:p14="http://schemas.microsoft.com/office/powerpoint/2010/main" val="2725550675"/>
+      </p:ext>
+    </p:extLst>
+  </p:cSld>
+  <p:clrMapOvr>
+    <a:masterClrMapping/>
+  </p:clrMapOvr>
+</p:sld>
+</file>
+
+<file path=ppt/slides/slide11.xml><?xml version="1.0" encoding="utf-8"?>
+<p:sld xmlns:a="http://schemas.openxmlformats.org/drawingml/2006/main" xmlns:r="http://schemas.openxmlformats.org/officeDocument/2006/relationships" xmlns:p="http://schemas.openxmlformats.org/presentationml/2006/main">
+  <p:cSld>
+    <p:spTree>
+      <p:nvGrpSpPr>
+        <p:cNvPr id="1" name=""/>
+        <p:cNvGrpSpPr/>
+        <p:nvPr/>
+      </p:nvGrpSpPr>
+      <p:grpSpPr>
+        <a:xfrm>
+          <a:off x="0" y="0"/>
+          <a:ext cx="0" cy="0"/>
+          <a:chOff x="0" y="0"/>
+          <a:chExt cx="0" cy="0"/>
+        </a:xfrm>
+      </p:grpSpPr>
+      <p:sp>
+        <p:nvSpPr>
+          <p:cNvPr id="2" name="Title 1">
+            <a:extLst>
+              <a:ext uri="{FF2B5EF4-FFF2-40B4-BE49-F238E27FC236}">
+                <a16:creationId xmlns:a16="http://schemas.microsoft.com/office/drawing/2014/main" id="{DE239CF9-8E9A-4C99-B70D-7156C906DE53}"/>
+              </a:ext>
+            </a:extLst>
+          </p:cNvPr>
+          <p:cNvSpPr>
+            <a:spLocks noGrp="1"/>
+          </p:cNvSpPr>
+          <p:nvPr>
+            <p:ph type="title"/>
+          </p:nvPr>
+        </p:nvSpPr>
+        <p:spPr/>
+        <p:txBody>
+          <a:bodyPr/>
+          <a:lstStyle/>
+          <a:p>
+            <a:pPr algn="ctr"/>
+            <a:r>
+              <a:rPr lang="en-US" dirty="0"/>
+              <a:t>Our original logo</a:t>
+            </a:r>
+          </a:p>
+        </p:txBody>
+      </p:sp>
+      <p:pic>
+        <p:nvPicPr>
+          <p:cNvPr id="5" name="Content Placeholder 4">
+            <a:extLst>
+              <a:ext uri="{FF2B5EF4-FFF2-40B4-BE49-F238E27FC236}">
+                <a16:creationId xmlns:a16="http://schemas.microsoft.com/office/drawing/2014/main" id="{FF533FA3-6F1F-43FF-BF1F-5275EA8F080E}"/>
+              </a:ext>
+            </a:extLst>
+          </p:cNvPr>
+          <p:cNvPicPr>
+            <a:picLocks noGrp="1" noChangeAspect="1"/>
+          </p:cNvPicPr>
+          <p:nvPr>
+            <p:ph idx="1"/>
+          </p:nvPr>
+        </p:nvPicPr>
+        <p:blipFill>
+          <a:blip r:embed="rId2">
+            <a:extLst>
+              <a:ext uri="{28A0092B-C50C-407E-A947-70E740481C1C}">
+                <a14:useLocalDpi xmlns:a14="http://schemas.microsoft.com/office/drawing/2010/main" val="0"/>
+              </a:ext>
+            </a:extLst>
+          </a:blip>
+          <a:stretch>
+            <a:fillRect/>
+          </a:stretch>
+        </p:blipFill>
+        <p:spPr>
+          <a:xfrm>
+            <a:off x="4247733" y="2603500"/>
+            <a:ext cx="2640847" cy="3416300"/>
+          </a:xfrm>
+        </p:spPr>
+      </p:pic>
+    </p:spTree>
+    <p:extLst>
+      <p:ext uri="{BB962C8B-B14F-4D97-AF65-F5344CB8AC3E}">
+        <p14:creationId xmlns:p14="http://schemas.microsoft.com/office/powerpoint/2010/main" val="857830307"/>
       </p:ext>
     </p:extLst>
   </p:cSld>
